--- a/m5-1-git/презентация.pptx
+++ b/m5-1-git/презентация.pptx
@@ -10,13 +10,13 @@
   <p:sldIdLst>
     <p:sldId id="256" r:id="rId2"/>
     <p:sldId id="270" r:id="rId3"/>
-    <p:sldId id="279" r:id="rId4"/>
-    <p:sldId id="278" r:id="rId5"/>
-    <p:sldId id="276" r:id="rId6"/>
-    <p:sldId id="277" r:id="rId7"/>
+    <p:sldId id="271" r:id="rId4"/>
+    <p:sldId id="272" r:id="rId5"/>
+    <p:sldId id="273" r:id="rId6"/>
+    <p:sldId id="274" r:id="rId7"/>
     <p:sldId id="275" r:id="rId8"/>
-    <p:sldId id="274" r:id="rId9"/>
-    <p:sldId id="273" r:id="rId10"/>
+    <p:sldId id="276" r:id="rId9"/>
+    <p:sldId id="277" r:id="rId10"/>
     <p:sldId id="267" r:id="rId11"/>
   </p:sldIdLst>
   <p:sldSz cx="12192000" cy="6858000"/>
@@ -2173,7 +2173,7 @@
     </p:spTree>
     <p:extLst>
       <p:ext uri="{BB962C8B-B14F-4D97-AF65-F5344CB8AC3E}">
-        <p14:creationId xmlns:p14="http://schemas.microsoft.com/office/powerpoint/2010/main" val="3394411682"/>
+        <p14:creationId xmlns:p14="http://schemas.microsoft.com/office/powerpoint/2010/main" val="92623050"/>
       </p:ext>
     </p:extLst>
   </p:cSld>
@@ -2328,7 +2328,7 @@
     </p:spTree>
     <p:extLst>
       <p:ext uri="{BB962C8B-B14F-4D97-AF65-F5344CB8AC3E}">
-        <p14:creationId xmlns:p14="http://schemas.microsoft.com/office/powerpoint/2010/main" val="1608092325"/>
+        <p14:creationId xmlns:p14="http://schemas.microsoft.com/office/powerpoint/2010/main" val="3538111973"/>
       </p:ext>
     </p:extLst>
   </p:cSld>
@@ -2483,7 +2483,7 @@
     </p:spTree>
     <p:extLst>
       <p:ext uri="{BB962C8B-B14F-4D97-AF65-F5344CB8AC3E}">
-        <p14:creationId xmlns:p14="http://schemas.microsoft.com/office/powerpoint/2010/main" val="3244837021"/>
+        <p14:creationId xmlns:p14="http://schemas.microsoft.com/office/powerpoint/2010/main" val="40596169"/>
       </p:ext>
     </p:extLst>
   </p:cSld>
@@ -2638,7 +2638,7 @@
     </p:spTree>
     <p:extLst>
       <p:ext uri="{BB962C8B-B14F-4D97-AF65-F5344CB8AC3E}">
-        <p14:creationId xmlns:p14="http://schemas.microsoft.com/office/powerpoint/2010/main" val="2526159319"/>
+        <p14:creationId xmlns:p14="http://schemas.microsoft.com/office/powerpoint/2010/main" val="2591719552"/>
       </p:ext>
     </p:extLst>
   </p:cSld>
@@ -2793,7 +2793,7 @@
     </p:spTree>
     <p:extLst>
       <p:ext uri="{BB962C8B-B14F-4D97-AF65-F5344CB8AC3E}">
-        <p14:creationId xmlns:p14="http://schemas.microsoft.com/office/powerpoint/2010/main" val="3596268942"/>
+        <p14:creationId xmlns:p14="http://schemas.microsoft.com/office/powerpoint/2010/main" val="3197306960"/>
       </p:ext>
     </p:extLst>
   </p:cSld>
@@ -2948,7 +2948,7 @@
     </p:spTree>
     <p:extLst>
       <p:ext uri="{BB962C8B-B14F-4D97-AF65-F5344CB8AC3E}">
-        <p14:creationId xmlns:p14="http://schemas.microsoft.com/office/powerpoint/2010/main" val="292969314"/>
+        <p14:creationId xmlns:p14="http://schemas.microsoft.com/office/powerpoint/2010/main" val="3179476773"/>
       </p:ext>
     </p:extLst>
   </p:cSld>
@@ -3103,7 +3103,7 @@
     </p:spTree>
     <p:extLst>
       <p:ext uri="{BB962C8B-B14F-4D97-AF65-F5344CB8AC3E}">
-        <p14:creationId xmlns:p14="http://schemas.microsoft.com/office/powerpoint/2010/main" val="3073292463"/>
+        <p14:creationId xmlns:p14="http://schemas.microsoft.com/office/powerpoint/2010/main" val="1672955290"/>
       </p:ext>
     </p:extLst>
   </p:cSld>
@@ -29220,22 +29220,31 @@
             <a:pPr lvl="0"/>
             <a:r>
               <a:rPr lang="ru-RU" dirty="0"/>
-              <a:t>Исключения, </a:t>
-            </a:r>
-            <a:br>
-              <a:rPr lang="ru-RU" dirty="0"/>
-            </a:br>
-            <a:r>
-              <a:rPr lang="ru-RU" dirty="0"/>
-              <a:t>файлы, </a:t>
+              <a:t>5.1  Система</a:t>
             </a:r>
             <a:r>
               <a:rPr lang="en-US" dirty="0"/>
-              <a:t>GUI</a:t>
+              <a:t> </a:t>
             </a:r>
             <a:r>
               <a:rPr lang="ru-RU" dirty="0"/>
+              <a:t>контроля версий </a:t>
+            </a:r>
+            <a:r>
+              <a:rPr lang="en-US" dirty="0"/>
+              <a:t>Git</a:t>
+            </a:r>
+            <a:r>
+              <a:rPr lang="ru-RU" dirty="0"/>
+              <a:t>.</a:t>
+            </a:r>
+            <a:r>
+              <a:rPr lang="en-US" dirty="0"/>
               <a:t> </a:t>
+            </a:r>
+            <a:r>
+              <a:rPr lang="ru-RU" dirty="0"/>
+              <a:t>Модули</a:t>
             </a:r>
             <a:endParaRPr dirty="0"/>
           </a:p>
@@ -29469,7 +29478,7 @@
           <a:p>
             <a:r>
               <a:rPr lang="ru-RU" dirty="0"/>
-              <a:t>Исключения</a:t>
+              <a:t>Платформы (хостинг)</a:t>
             </a:r>
           </a:p>
         </p:txBody>
@@ -29764,10 +29773,10 @@
       </p:sp>
       <p:pic>
         <p:nvPicPr>
-          <p:cNvPr id="1026" name="Picture 2" descr="Picture background">
+          <p:cNvPr id="2" name="Picture 2" descr="https://avatars.mds.yandex.net/i?id=da2b2c558e9136ee3444f2deeb6ace6c6cf479bf-5221720-images-thumbs&amp;n=13">
             <a:extLst>
               <a:ext uri="{FF2B5EF4-FFF2-40B4-BE49-F238E27FC236}">
-                <a16:creationId xmlns:a16="http://schemas.microsoft.com/office/drawing/2014/main" id="{934A9745-E242-44D9-BF4E-14DF8209D93F}"/>
+                <a16:creationId xmlns:a16="http://schemas.microsoft.com/office/drawing/2014/main" id="{8679A7B1-D410-4D0A-983D-5B0AED66CCAA}"/>
               </a:ext>
             </a:extLst>
           </p:cNvPr>
@@ -29776,7 +29785,7 @@
           </p:cNvPicPr>
           <p:nvPr/>
         </p:nvPicPr>
-        <p:blipFill rotWithShape="1">
+        <p:blipFill>
           <a:blip r:embed="rId3">
             <a:extLst>
               <a:ext uri="{28A0092B-C50C-407E-A947-70E740481C1C}">
@@ -29784,13 +29793,15 @@
               </a:ext>
             </a:extLst>
           </a:blip>
-          <a:srcRect t="16933" b="18000"/>
-          <a:stretch/>
+          <a:srcRect/>
+          <a:stretch>
+            <a:fillRect/>
+          </a:stretch>
         </p:blipFill>
         <p:spPr bwMode="auto">
           <a:xfrm>
-            <a:off x="2561184" y="1837944"/>
-            <a:ext cx="9156700" cy="4462272"/>
+            <a:off x="2328672" y="1783080"/>
+            <a:ext cx="7534656" cy="3767328"/>
           </a:xfrm>
           <a:prstGeom prst="rect">
             <a:avLst/>
@@ -29807,6 +29818,301 @@
           </a:extLst>
         </p:spPr>
       </p:pic>
+      <p:sp>
+        <p:nvSpPr>
+          <p:cNvPr id="7" name="Заголовок 2">
+            <a:extLst>
+              <a:ext uri="{FF2B5EF4-FFF2-40B4-BE49-F238E27FC236}">
+                <a16:creationId xmlns:a16="http://schemas.microsoft.com/office/drawing/2014/main" id="{F8EB79BD-5185-454A-86E6-22EA0A536DBD}"/>
+              </a:ext>
+            </a:extLst>
+          </p:cNvPr>
+          <p:cNvSpPr txBox="1">
+            <a:spLocks/>
+          </p:cNvSpPr>
+          <p:nvPr/>
+        </p:nvSpPr>
+        <p:spPr>
+          <a:xfrm>
+            <a:off x="950167" y="99949"/>
+            <a:ext cx="1043226" cy="1132235"/>
+          </a:xfrm>
+          <a:prstGeom prst="rect">
+            <a:avLst/>
+          </a:prstGeom>
+          <a:noFill/>
+          <a:ln>
+            <a:noFill/>
+          </a:ln>
+        </p:spPr>
+        <p:txBody>
+          <a:bodyPr spcFirstLastPara="1" wrap="square" lIns="91425" tIns="45700" rIns="91425" bIns="45700" anchor="ctr" anchorCtr="0">
+            <a:normAutofit/>
+          </a:bodyPr>
+          <a:lstStyle>
+            <a:defPPr marR="0" lvl="0" algn="l" rtl="0">
+              <a:lnSpc>
+                <a:spcPct val="100000"/>
+              </a:lnSpc>
+              <a:spcBef>
+                <a:spcPts val="0"/>
+              </a:spcBef>
+              <a:spcAft>
+                <a:spcPts val="0"/>
+              </a:spcAft>
+            </a:defPPr>
+            <a:lvl1pPr marR="0" lvl="0" algn="l" rtl="0">
+              <a:lnSpc>
+                <a:spcPct val="90000"/>
+              </a:lnSpc>
+              <a:spcBef>
+                <a:spcPts val="0"/>
+              </a:spcBef>
+              <a:spcAft>
+                <a:spcPts val="0"/>
+              </a:spcAft>
+              <a:buClr>
+                <a:srgbClr val="DED9E5"/>
+              </a:buClr>
+              <a:buSzPts val="4400"/>
+              <a:buFont typeface="Calibri"/>
+              <a:buNone/>
+              <a:defRPr sz="4400" b="1" i="0" u="none" strike="noStrike" cap="none">
+                <a:solidFill>
+                  <a:srgbClr val="DED9E5"/>
+                </a:solidFill>
+                <a:latin typeface="Calibri"/>
+                <a:ea typeface="Calibri"/>
+                <a:cs typeface="Calibri"/>
+                <a:sym typeface="Calibri"/>
+              </a:defRPr>
+            </a:lvl1pPr>
+            <a:lvl2pPr marR="0" lvl="1" algn="l" rtl="0">
+              <a:lnSpc>
+                <a:spcPct val="100000"/>
+              </a:lnSpc>
+              <a:spcBef>
+                <a:spcPts val="0"/>
+              </a:spcBef>
+              <a:spcAft>
+                <a:spcPts val="0"/>
+              </a:spcAft>
+              <a:buClr>
+                <a:srgbClr val="000000"/>
+              </a:buClr>
+              <a:buSzPts val="1400"/>
+              <a:buFont typeface="Arial"/>
+              <a:buNone/>
+              <a:defRPr sz="1800" b="0" i="0" u="none" strike="noStrike" cap="none">
+                <a:solidFill>
+                  <a:srgbClr val="000000"/>
+                </a:solidFill>
+                <a:latin typeface="Arial"/>
+                <a:ea typeface="Arial"/>
+                <a:cs typeface="Arial"/>
+                <a:sym typeface="Arial"/>
+              </a:defRPr>
+            </a:lvl2pPr>
+            <a:lvl3pPr marR="0" lvl="2" algn="l" rtl="0">
+              <a:lnSpc>
+                <a:spcPct val="100000"/>
+              </a:lnSpc>
+              <a:spcBef>
+                <a:spcPts val="0"/>
+              </a:spcBef>
+              <a:spcAft>
+                <a:spcPts val="0"/>
+              </a:spcAft>
+              <a:buClr>
+                <a:srgbClr val="000000"/>
+              </a:buClr>
+              <a:buSzPts val="1400"/>
+              <a:buFont typeface="Arial"/>
+              <a:buNone/>
+              <a:defRPr sz="1800" b="0" i="0" u="none" strike="noStrike" cap="none">
+                <a:solidFill>
+                  <a:srgbClr val="000000"/>
+                </a:solidFill>
+                <a:latin typeface="Arial"/>
+                <a:ea typeface="Arial"/>
+                <a:cs typeface="Arial"/>
+                <a:sym typeface="Arial"/>
+              </a:defRPr>
+            </a:lvl3pPr>
+            <a:lvl4pPr marR="0" lvl="3" algn="l" rtl="0">
+              <a:lnSpc>
+                <a:spcPct val="100000"/>
+              </a:lnSpc>
+              <a:spcBef>
+                <a:spcPts val="0"/>
+              </a:spcBef>
+              <a:spcAft>
+                <a:spcPts val="0"/>
+              </a:spcAft>
+              <a:buClr>
+                <a:srgbClr val="000000"/>
+              </a:buClr>
+              <a:buSzPts val="1400"/>
+              <a:buFont typeface="Arial"/>
+              <a:buNone/>
+              <a:defRPr sz="1800" b="0" i="0" u="none" strike="noStrike" cap="none">
+                <a:solidFill>
+                  <a:srgbClr val="000000"/>
+                </a:solidFill>
+                <a:latin typeface="Arial"/>
+                <a:ea typeface="Arial"/>
+                <a:cs typeface="Arial"/>
+                <a:sym typeface="Arial"/>
+              </a:defRPr>
+            </a:lvl4pPr>
+            <a:lvl5pPr marR="0" lvl="4" algn="l" rtl="0">
+              <a:lnSpc>
+                <a:spcPct val="100000"/>
+              </a:lnSpc>
+              <a:spcBef>
+                <a:spcPts val="0"/>
+              </a:spcBef>
+              <a:spcAft>
+                <a:spcPts val="0"/>
+              </a:spcAft>
+              <a:buClr>
+                <a:srgbClr val="000000"/>
+              </a:buClr>
+              <a:buSzPts val="1400"/>
+              <a:buFont typeface="Arial"/>
+              <a:buNone/>
+              <a:defRPr sz="1800" b="0" i="0" u="none" strike="noStrike" cap="none">
+                <a:solidFill>
+                  <a:srgbClr val="000000"/>
+                </a:solidFill>
+                <a:latin typeface="Arial"/>
+                <a:ea typeface="Arial"/>
+                <a:cs typeface="Arial"/>
+                <a:sym typeface="Arial"/>
+              </a:defRPr>
+            </a:lvl5pPr>
+            <a:lvl6pPr marR="0" lvl="5" algn="l" rtl="0">
+              <a:lnSpc>
+                <a:spcPct val="100000"/>
+              </a:lnSpc>
+              <a:spcBef>
+                <a:spcPts val="0"/>
+              </a:spcBef>
+              <a:spcAft>
+                <a:spcPts val="0"/>
+              </a:spcAft>
+              <a:buClr>
+                <a:srgbClr val="000000"/>
+              </a:buClr>
+              <a:buSzPts val="1400"/>
+              <a:buFont typeface="Arial"/>
+              <a:buNone/>
+              <a:defRPr sz="1800" b="0" i="0" u="none" strike="noStrike" cap="none">
+                <a:solidFill>
+                  <a:srgbClr val="000000"/>
+                </a:solidFill>
+                <a:latin typeface="Arial"/>
+                <a:ea typeface="Arial"/>
+                <a:cs typeface="Arial"/>
+                <a:sym typeface="Arial"/>
+              </a:defRPr>
+            </a:lvl6pPr>
+            <a:lvl7pPr marR="0" lvl="6" algn="l" rtl="0">
+              <a:lnSpc>
+                <a:spcPct val="100000"/>
+              </a:lnSpc>
+              <a:spcBef>
+                <a:spcPts val="0"/>
+              </a:spcBef>
+              <a:spcAft>
+                <a:spcPts val="0"/>
+              </a:spcAft>
+              <a:buClr>
+                <a:srgbClr val="000000"/>
+              </a:buClr>
+              <a:buSzPts val="1400"/>
+              <a:buFont typeface="Arial"/>
+              <a:buNone/>
+              <a:defRPr sz="1800" b="0" i="0" u="none" strike="noStrike" cap="none">
+                <a:solidFill>
+                  <a:srgbClr val="000000"/>
+                </a:solidFill>
+                <a:latin typeface="Arial"/>
+                <a:ea typeface="Arial"/>
+                <a:cs typeface="Arial"/>
+                <a:sym typeface="Arial"/>
+              </a:defRPr>
+            </a:lvl7pPr>
+            <a:lvl8pPr marR="0" lvl="7" algn="l" rtl="0">
+              <a:lnSpc>
+                <a:spcPct val="100000"/>
+              </a:lnSpc>
+              <a:spcBef>
+                <a:spcPts val="0"/>
+              </a:spcBef>
+              <a:spcAft>
+                <a:spcPts val="0"/>
+              </a:spcAft>
+              <a:buClr>
+                <a:srgbClr val="000000"/>
+              </a:buClr>
+              <a:buSzPts val="1400"/>
+              <a:buFont typeface="Arial"/>
+              <a:buNone/>
+              <a:defRPr sz="1800" b="0" i="0" u="none" strike="noStrike" cap="none">
+                <a:solidFill>
+                  <a:srgbClr val="000000"/>
+                </a:solidFill>
+                <a:latin typeface="Arial"/>
+                <a:ea typeface="Arial"/>
+                <a:cs typeface="Arial"/>
+                <a:sym typeface="Arial"/>
+              </a:defRPr>
+            </a:lvl8pPr>
+            <a:lvl9pPr marR="0" lvl="8" algn="l" rtl="0">
+              <a:lnSpc>
+                <a:spcPct val="100000"/>
+              </a:lnSpc>
+              <a:spcBef>
+                <a:spcPts val="0"/>
+              </a:spcBef>
+              <a:spcAft>
+                <a:spcPts val="0"/>
+              </a:spcAft>
+              <a:buClr>
+                <a:srgbClr val="000000"/>
+              </a:buClr>
+              <a:buSzPts val="1400"/>
+              <a:buFont typeface="Arial"/>
+              <a:buNone/>
+              <a:defRPr sz="1800" b="0" i="0" u="none" strike="noStrike" cap="none">
+                <a:solidFill>
+                  <a:srgbClr val="000000"/>
+                </a:solidFill>
+                <a:latin typeface="Arial"/>
+                <a:ea typeface="Arial"/>
+                <a:cs typeface="Arial"/>
+                <a:sym typeface="Arial"/>
+              </a:defRPr>
+            </a:lvl9pPr>
+          </a:lstStyle>
+          <a:p>
+            <a:r>
+              <a:rPr lang="en-US">
+                <a:solidFill>
+                  <a:srgbClr val="0070C0"/>
+                </a:solidFill>
+              </a:rPr>
+              <a:t>GIT</a:t>
+            </a:r>
+            <a:endParaRPr lang="ru-RU" dirty="0">
+              <a:solidFill>
+                <a:srgbClr val="0070C0"/>
+              </a:solidFill>
+            </a:endParaRPr>
+          </a:p>
+        </p:txBody>
+      </p:sp>
     </p:spTree>
     <p:extLst>
       <p:ext uri="{BB962C8B-B14F-4D97-AF65-F5344CB8AC3E}">
@@ -29862,7 +30168,7 @@
           <a:p>
             <a:r>
               <a:rPr lang="ru-RU" dirty="0"/>
-              <a:t>Исключения</a:t>
+              <a:t>Система управления версиями</a:t>
             </a:r>
           </a:p>
         </p:txBody>
@@ -30157,10 +30463,10 @@
       </p:sp>
       <p:pic>
         <p:nvPicPr>
-          <p:cNvPr id="3074" name="Picture 2" descr="Mastering Exception Handling in Python: Best Practices and Strategies | by  Gopal Khadka | Medium">
+          <p:cNvPr id="2050" name="Picture 2" descr="GitHub - v3xlrm1nOwo1/Try-Git-and-Github: This Repo contains all the common  commands in Git, You can fork this Repo and add the commands you want to  add or practice on Github workflow and Git">
             <a:extLst>
               <a:ext uri="{FF2B5EF4-FFF2-40B4-BE49-F238E27FC236}">
-                <a16:creationId xmlns:a16="http://schemas.microsoft.com/office/drawing/2014/main" id="{424E9B2D-121A-42DB-A932-C5064FEC3BD3}"/>
+                <a16:creationId xmlns:a16="http://schemas.microsoft.com/office/drawing/2014/main" id="{0496FB8D-41C9-4B6D-9075-5F0C94AA4863}"/>
               </a:ext>
             </a:extLst>
           </p:cNvPr>
@@ -30184,8 +30490,8 @@
         </p:blipFill>
         <p:spPr bwMode="auto">
           <a:xfrm>
-            <a:off x="3272980" y="1337882"/>
-            <a:ext cx="6139653" cy="4916614"/>
+            <a:off x="1590246" y="2739770"/>
+            <a:ext cx="8505775" cy="2188845"/>
           </a:xfrm>
           <a:prstGeom prst="rect">
             <a:avLst/>
@@ -30205,7 +30511,7 @@
     </p:spTree>
     <p:extLst>
       <p:ext uri="{BB962C8B-B14F-4D97-AF65-F5344CB8AC3E}">
-        <p14:creationId xmlns:p14="http://schemas.microsoft.com/office/powerpoint/2010/main" val="2371652898"/>
+        <p14:creationId xmlns:p14="http://schemas.microsoft.com/office/powerpoint/2010/main" val="3129328893"/>
       </p:ext>
     </p:extLst>
   </p:cSld>
@@ -30248,7 +30554,12 @@
             <p:ph type="title"/>
           </p:nvPr>
         </p:nvSpPr>
-        <p:spPr/>
+        <p:spPr>
+          <a:xfrm>
+            <a:off x="950167" y="99949"/>
+            <a:ext cx="1043226" cy="1132235"/>
+          </a:xfrm>
+        </p:spPr>
         <p:txBody>
           <a:bodyPr>
             <a:normAutofit/>
@@ -30256,9 +30567,18 @@
           <a:lstStyle/>
           <a:p>
             <a:r>
-              <a:rPr lang="ru-RU" dirty="0"/>
-              <a:t>Исключения</a:t>
+              <a:rPr lang="en-US" dirty="0">
+                <a:solidFill>
+                  <a:srgbClr val="0070C0"/>
+                </a:solidFill>
+              </a:rPr>
+              <a:t>GIT</a:t>
             </a:r>
+            <a:endParaRPr lang="ru-RU" dirty="0">
+              <a:solidFill>
+                <a:srgbClr val="0070C0"/>
+              </a:solidFill>
+            </a:endParaRPr>
           </a:p>
         </p:txBody>
       </p:sp>
@@ -30552,55 +30872,37 @@
       </p:sp>
       <p:pic>
         <p:nvPicPr>
-          <p:cNvPr id="2050" name="Picture 2" descr="28. Введение в обработку исключений. Блоки try / except | Python ООП">
+          <p:cNvPr id="4" name="Рисунок 3">
             <a:extLst>
               <a:ext uri="{FF2B5EF4-FFF2-40B4-BE49-F238E27FC236}">
-                <a16:creationId xmlns:a16="http://schemas.microsoft.com/office/drawing/2014/main" id="{8964B310-C05C-4B59-BFCD-EF56F1B2AC42}"/>
+                <a16:creationId xmlns:a16="http://schemas.microsoft.com/office/drawing/2014/main" id="{3B21A2A4-0784-4E26-AA1B-DFBF90AB55C5}"/>
               </a:ext>
             </a:extLst>
           </p:cNvPr>
           <p:cNvPicPr>
-            <a:picLocks noChangeAspect="1" noChangeArrowheads="1"/>
+            <a:picLocks noChangeAspect="1"/>
           </p:cNvPicPr>
           <p:nvPr/>
         </p:nvPicPr>
-        <p:blipFill>
-          <a:blip r:embed="rId3">
-            <a:extLst>
-              <a:ext uri="{28A0092B-C50C-407E-A947-70E740481C1C}">
-                <a14:useLocalDpi xmlns:a14="http://schemas.microsoft.com/office/drawing/2010/main" val="0"/>
-              </a:ext>
-            </a:extLst>
-          </a:blip>
-          <a:srcRect/>
-          <a:stretch>
-            <a:fillRect/>
-          </a:stretch>
+        <p:blipFill rotWithShape="1">
+          <a:blip r:embed="rId3"/>
+          <a:srcRect t="11895" b="7204"/>
+          <a:stretch/>
         </p:blipFill>
-        <p:spPr bwMode="auto">
+        <p:spPr>
           <a:xfrm>
-            <a:off x="2136543" y="1417700"/>
-            <a:ext cx="9534793" cy="5111751"/>
+            <a:off x="2644187" y="406908"/>
+            <a:ext cx="7503219" cy="6044184"/>
           </a:xfrm>
           <a:prstGeom prst="rect">
             <a:avLst/>
           </a:prstGeom>
-          <a:noFill/>
-          <a:extLst>
-            <a:ext uri="{909E8E84-426E-40DD-AFC4-6F175D3DCCD1}">
-              <a14:hiddenFill xmlns:a14="http://schemas.microsoft.com/office/drawing/2010/main">
-                <a:solidFill>
-                  <a:srgbClr val="FFFFFF"/>
-                </a:solidFill>
-              </a14:hiddenFill>
-            </a:ext>
-          </a:extLst>
         </p:spPr>
       </p:pic>
     </p:spTree>
     <p:extLst>
       <p:ext uri="{BB962C8B-B14F-4D97-AF65-F5344CB8AC3E}">
-        <p14:creationId xmlns:p14="http://schemas.microsoft.com/office/powerpoint/2010/main" val="437654304"/>
+        <p14:creationId xmlns:p14="http://schemas.microsoft.com/office/powerpoint/2010/main" val="3142687782"/>
       </p:ext>
     </p:extLst>
   </p:cSld>
@@ -30643,7 +30945,12 @@
             <p:ph type="title"/>
           </p:nvPr>
         </p:nvSpPr>
-        <p:spPr/>
+        <p:spPr>
+          <a:xfrm>
+            <a:off x="950167" y="99949"/>
+            <a:ext cx="1043226" cy="1132235"/>
+          </a:xfrm>
+        </p:spPr>
         <p:txBody>
           <a:bodyPr>
             <a:normAutofit/>
@@ -30651,9 +30958,18 @@
           <a:lstStyle/>
           <a:p>
             <a:r>
-              <a:rPr lang="ru-RU" dirty="0"/>
-              <a:t>Текстовые файлы</a:t>
+              <a:rPr lang="en-US" dirty="0">
+                <a:solidFill>
+                  <a:srgbClr val="0070C0"/>
+                </a:solidFill>
+              </a:rPr>
+              <a:t>GIT</a:t>
             </a:r>
+            <a:endParaRPr lang="ru-RU" dirty="0">
+              <a:solidFill>
+                <a:srgbClr val="0070C0"/>
+              </a:solidFill>
+            </a:endParaRPr>
           </a:p>
         </p:txBody>
       </p:sp>
@@ -30947,55 +31263,38 @@
       </p:sp>
       <p:pic>
         <p:nvPicPr>
-          <p:cNvPr id="3074" name="Picture 2" descr="Picture background">
+          <p:cNvPr id="2" name="Рисунок 1">
             <a:extLst>
               <a:ext uri="{FF2B5EF4-FFF2-40B4-BE49-F238E27FC236}">
-                <a16:creationId xmlns:a16="http://schemas.microsoft.com/office/drawing/2014/main" id="{94C2F579-ED66-4AEF-9932-38236322F6FA}"/>
+                <a16:creationId xmlns:a16="http://schemas.microsoft.com/office/drawing/2014/main" id="{E4872735-097C-4345-9E73-EFC49A1C4ABA}"/>
               </a:ext>
             </a:extLst>
           </p:cNvPr>
           <p:cNvPicPr>
-            <a:picLocks noChangeAspect="1" noChangeArrowheads="1"/>
+            <a:picLocks noChangeAspect="1"/>
           </p:cNvPicPr>
           <p:nvPr/>
         </p:nvPicPr>
         <p:blipFill>
-          <a:blip r:embed="rId3">
-            <a:extLst>
-              <a:ext uri="{28A0092B-C50C-407E-A947-70E740481C1C}">
-                <a14:useLocalDpi xmlns:a14="http://schemas.microsoft.com/office/drawing/2010/main" val="0"/>
-              </a:ext>
-            </a:extLst>
-          </a:blip>
-          <a:srcRect/>
+          <a:blip r:embed="rId3"/>
           <a:stretch>
             <a:fillRect/>
           </a:stretch>
         </p:blipFill>
-        <p:spPr bwMode="auto">
+        <p:spPr>
           <a:xfrm>
-            <a:off x="2249424" y="1379028"/>
-            <a:ext cx="9366504" cy="5268659"/>
+            <a:off x="2486025" y="666066"/>
+            <a:ext cx="9705975" cy="6210300"/>
           </a:xfrm>
           <a:prstGeom prst="rect">
             <a:avLst/>
           </a:prstGeom>
-          <a:noFill/>
-          <a:extLst>
-            <a:ext uri="{909E8E84-426E-40DD-AFC4-6F175D3DCCD1}">
-              <a14:hiddenFill xmlns:a14="http://schemas.microsoft.com/office/drawing/2010/main">
-                <a:solidFill>
-                  <a:srgbClr val="FFFFFF"/>
-                </a:solidFill>
-              </a14:hiddenFill>
-            </a:ext>
-          </a:extLst>
         </p:spPr>
       </p:pic>
     </p:spTree>
     <p:extLst>
       <p:ext uri="{BB962C8B-B14F-4D97-AF65-F5344CB8AC3E}">
-        <p14:creationId xmlns:p14="http://schemas.microsoft.com/office/powerpoint/2010/main" val="3577487448"/>
+        <p14:creationId xmlns:p14="http://schemas.microsoft.com/office/powerpoint/2010/main" val="2290424835"/>
       </p:ext>
     </p:extLst>
   </p:cSld>
@@ -31038,7 +31337,12 @@
             <p:ph type="title"/>
           </p:nvPr>
         </p:nvSpPr>
-        <p:spPr/>
+        <p:spPr>
+          <a:xfrm>
+            <a:off x="950167" y="99949"/>
+            <a:ext cx="1043226" cy="1132235"/>
+          </a:xfrm>
+        </p:spPr>
         <p:txBody>
           <a:bodyPr>
             <a:normAutofit/>
@@ -31046,10 +31350,18 @@
           <a:lstStyle/>
           <a:p>
             <a:r>
-              <a:rPr lang="en-US" dirty="0"/>
-              <a:t>GUI</a:t>
+              <a:rPr lang="en-US" dirty="0">
+                <a:solidFill>
+                  <a:srgbClr val="0070C0"/>
+                </a:solidFill>
+              </a:rPr>
+              <a:t>GIT</a:t>
             </a:r>
-            <a:endParaRPr lang="ru-RU" dirty="0"/>
+            <a:endParaRPr lang="ru-RU" dirty="0">
+              <a:solidFill>
+                <a:srgbClr val="0070C0"/>
+              </a:solidFill>
+            </a:endParaRPr>
           </a:p>
         </p:txBody>
       </p:sp>
@@ -31343,53 +31655,38 @@
       </p:sp>
       <p:pic>
         <p:nvPicPr>
-          <p:cNvPr id="1030" name="Picture 6" descr="Picture background">
+          <p:cNvPr id="4" name="Рисунок 3">
             <a:extLst>
               <a:ext uri="{FF2B5EF4-FFF2-40B4-BE49-F238E27FC236}">
-                <a16:creationId xmlns:a16="http://schemas.microsoft.com/office/drawing/2014/main" id="{CA3EF292-4C80-44B6-ABC0-7B83F24C9E40}"/>
+                <a16:creationId xmlns:a16="http://schemas.microsoft.com/office/drawing/2014/main" id="{7CF8E333-C2DC-4C37-8447-84EB5F0E7503}"/>
               </a:ext>
             </a:extLst>
           </p:cNvPr>
           <p:cNvPicPr>
-            <a:picLocks noChangeAspect="1" noChangeArrowheads="1"/>
+            <a:picLocks noChangeAspect="1"/>
           </p:cNvPicPr>
           <p:nvPr/>
         </p:nvPicPr>
-        <p:blipFill rotWithShape="1">
-          <a:blip r:embed="rId3">
-            <a:extLst>
-              <a:ext uri="{28A0092B-C50C-407E-A947-70E740481C1C}">
-                <a14:useLocalDpi xmlns:a14="http://schemas.microsoft.com/office/drawing/2010/main" val="0"/>
-              </a:ext>
-            </a:extLst>
-          </a:blip>
-          <a:srcRect l="3495" t="17351" r="3495" b="5078"/>
-          <a:stretch/>
+        <p:blipFill>
+          <a:blip r:embed="rId3"/>
+          <a:stretch>
+            <a:fillRect/>
+          </a:stretch>
         </p:blipFill>
-        <p:spPr bwMode="auto">
+        <p:spPr>
           <a:xfrm>
-            <a:off x="3124917" y="1268760"/>
-            <a:ext cx="8029233" cy="5022312"/>
+            <a:off x="2993873" y="175758"/>
+            <a:ext cx="8545118" cy="6506483"/>
           </a:xfrm>
           <a:prstGeom prst="rect">
             <a:avLst/>
           </a:prstGeom>
-          <a:noFill/>
-          <a:extLst>
-            <a:ext uri="{909E8E84-426E-40DD-AFC4-6F175D3DCCD1}">
-              <a14:hiddenFill xmlns:a14="http://schemas.microsoft.com/office/drawing/2010/main">
-                <a:solidFill>
-                  <a:srgbClr val="FFFFFF"/>
-                </a:solidFill>
-              </a14:hiddenFill>
-            </a:ext>
-          </a:extLst>
         </p:spPr>
       </p:pic>
     </p:spTree>
     <p:extLst>
       <p:ext uri="{BB962C8B-B14F-4D97-AF65-F5344CB8AC3E}">
-        <p14:creationId xmlns:p14="http://schemas.microsoft.com/office/powerpoint/2010/main" val="2247481844"/>
+        <p14:creationId xmlns:p14="http://schemas.microsoft.com/office/powerpoint/2010/main" val="651569533"/>
       </p:ext>
     </p:extLst>
   </p:cSld>
@@ -31432,7 +31729,12 @@
             <p:ph type="title"/>
           </p:nvPr>
         </p:nvSpPr>
-        <p:spPr/>
+        <p:spPr>
+          <a:xfrm>
+            <a:off x="950167" y="99949"/>
+            <a:ext cx="1043226" cy="1132235"/>
+          </a:xfrm>
+        </p:spPr>
         <p:txBody>
           <a:bodyPr>
             <a:normAutofit/>
@@ -31440,10 +31742,18 @@
           <a:lstStyle/>
           <a:p>
             <a:r>
-              <a:rPr lang="en-US" dirty="0"/>
-              <a:t>GUI</a:t>
+              <a:rPr lang="en-US" dirty="0">
+                <a:solidFill>
+                  <a:srgbClr val="0070C0"/>
+                </a:solidFill>
+              </a:rPr>
+              <a:t>GIT</a:t>
             </a:r>
-            <a:endParaRPr lang="ru-RU" dirty="0"/>
+            <a:endParaRPr lang="ru-RU" dirty="0">
+              <a:solidFill>
+                <a:srgbClr val="0070C0"/>
+              </a:solidFill>
+            </a:endParaRPr>
           </a:p>
         </p:txBody>
       </p:sp>
@@ -31737,55 +32047,38 @@
       </p:sp>
       <p:pic>
         <p:nvPicPr>
-          <p:cNvPr id="1028" name="Picture 4" descr="Picture background">
+          <p:cNvPr id="2" name="Рисунок 1">
             <a:extLst>
               <a:ext uri="{FF2B5EF4-FFF2-40B4-BE49-F238E27FC236}">
-                <a16:creationId xmlns:a16="http://schemas.microsoft.com/office/drawing/2014/main" id="{32FF939D-B2E1-46C3-85EA-B11DAFC7EB6A}"/>
+                <a16:creationId xmlns:a16="http://schemas.microsoft.com/office/drawing/2014/main" id="{63D86D27-A562-40FF-90BE-7C4C47DD32AB}"/>
               </a:ext>
             </a:extLst>
           </p:cNvPr>
           <p:cNvPicPr>
-            <a:picLocks noChangeAspect="1" noChangeArrowheads="1"/>
+            <a:picLocks noChangeAspect="1"/>
           </p:cNvPicPr>
           <p:nvPr/>
         </p:nvPicPr>
         <p:blipFill>
-          <a:blip r:embed="rId3">
-            <a:extLst>
-              <a:ext uri="{28A0092B-C50C-407E-A947-70E740481C1C}">
-                <a14:useLocalDpi xmlns:a14="http://schemas.microsoft.com/office/drawing/2010/main" val="0"/>
-              </a:ext>
-            </a:extLst>
-          </a:blip>
-          <a:srcRect/>
+          <a:blip r:embed="rId3"/>
           <a:stretch>
             <a:fillRect/>
           </a:stretch>
         </p:blipFill>
-        <p:spPr bwMode="auto">
+        <p:spPr>
           <a:xfrm>
-            <a:off x="2514600" y="1268760"/>
-            <a:ext cx="9010460" cy="5253001"/>
+            <a:off x="3093087" y="843987"/>
+            <a:ext cx="6335009" cy="4420217"/>
           </a:xfrm>
           <a:prstGeom prst="rect">
             <a:avLst/>
           </a:prstGeom>
-          <a:noFill/>
-          <a:extLst>
-            <a:ext uri="{909E8E84-426E-40DD-AFC4-6F175D3DCCD1}">
-              <a14:hiddenFill xmlns:a14="http://schemas.microsoft.com/office/drawing/2010/main">
-                <a:solidFill>
-                  <a:srgbClr val="FFFFFF"/>
-                </a:solidFill>
-              </a14:hiddenFill>
-            </a:ext>
-          </a:extLst>
         </p:spPr>
       </p:pic>
     </p:spTree>
     <p:extLst>
       <p:ext uri="{BB962C8B-B14F-4D97-AF65-F5344CB8AC3E}">
-        <p14:creationId xmlns:p14="http://schemas.microsoft.com/office/powerpoint/2010/main" val="856584034"/>
+        <p14:creationId xmlns:p14="http://schemas.microsoft.com/office/powerpoint/2010/main" val="2427004465"/>
       </p:ext>
     </p:extLst>
   </p:cSld>
@@ -31828,18 +32121,26 @@
             <p:ph type="title"/>
           </p:nvPr>
         </p:nvSpPr>
-        <p:spPr/>
+        <p:spPr>
+          <a:xfrm>
+            <a:off x="474678" y="0"/>
+            <a:ext cx="2012489" cy="1132235"/>
+          </a:xfrm>
+        </p:spPr>
         <p:txBody>
           <a:bodyPr>
-            <a:normAutofit/>
+            <a:normAutofit fontScale="90000"/>
           </a:bodyPr>
           <a:lstStyle/>
           <a:p>
             <a:r>
-              <a:rPr lang="en-US" dirty="0"/>
-              <a:t>GUI</a:t>
+              <a:rPr lang="ru-RU" dirty="0">
+                <a:solidFill>
+                  <a:srgbClr val="0070C0"/>
+                </a:solidFill>
+              </a:rPr>
+              <a:t>Модули</a:t>
             </a:r>
-            <a:endParaRPr lang="ru-RU" dirty="0"/>
           </a:p>
         </p:txBody>
       </p:sp>
@@ -32133,10 +32434,10 @@
       </p:sp>
       <p:pic>
         <p:nvPicPr>
-          <p:cNvPr id="1026" name="Picture 2" descr="Picture background">
+          <p:cNvPr id="5122" name="Picture 2" descr="Picture background">
             <a:extLst>
               <a:ext uri="{FF2B5EF4-FFF2-40B4-BE49-F238E27FC236}">
-                <a16:creationId xmlns:a16="http://schemas.microsoft.com/office/drawing/2014/main" id="{196B5018-74E4-4F69-B8C7-AB9DCB5A1455}"/>
+                <a16:creationId xmlns:a16="http://schemas.microsoft.com/office/drawing/2014/main" id="{0B0EF6C8-2251-46F7-A4C1-7263B2813A24}"/>
               </a:ext>
             </a:extLst>
           </p:cNvPr>
@@ -32160,8 +32461,8 @@
         </p:blipFill>
         <p:spPr bwMode="auto">
           <a:xfrm>
-            <a:off x="1728216" y="1400772"/>
-            <a:ext cx="9485376" cy="5320703"/>
+            <a:off x="2676144" y="640080"/>
+            <a:ext cx="8113222" cy="5577840"/>
           </a:xfrm>
           <a:prstGeom prst="rect">
             <a:avLst/>
@@ -32181,7 +32482,7 @@
     </p:spTree>
     <p:extLst>
       <p:ext uri="{BB962C8B-B14F-4D97-AF65-F5344CB8AC3E}">
-        <p14:creationId xmlns:p14="http://schemas.microsoft.com/office/powerpoint/2010/main" val="416929903"/>
+        <p14:creationId xmlns:p14="http://schemas.microsoft.com/office/powerpoint/2010/main" val="4145235846"/>
       </p:ext>
     </p:extLst>
   </p:cSld>
@@ -32224,18 +32525,26 @@
             <p:ph type="title"/>
           </p:nvPr>
         </p:nvSpPr>
-        <p:spPr/>
+        <p:spPr>
+          <a:xfrm>
+            <a:off x="474678" y="0"/>
+            <a:ext cx="2012489" cy="1132235"/>
+          </a:xfrm>
+        </p:spPr>
         <p:txBody>
           <a:bodyPr>
-            <a:normAutofit/>
+            <a:normAutofit fontScale="90000"/>
           </a:bodyPr>
           <a:lstStyle/>
           <a:p>
             <a:r>
-              <a:rPr lang="en-US" dirty="0"/>
-              <a:t>QT CREATOR vs TKINTER</a:t>
+              <a:rPr lang="ru-RU" dirty="0">
+                <a:solidFill>
+                  <a:srgbClr val="0070C0"/>
+                </a:solidFill>
+              </a:rPr>
+              <a:t>Модули</a:t>
             </a:r>
-            <a:endParaRPr lang="ru-RU" dirty="0"/>
           </a:p>
         </p:txBody>
       </p:sp>
@@ -32529,10 +32838,10 @@
       </p:sp>
       <p:pic>
         <p:nvPicPr>
-          <p:cNvPr id="2050" name="Picture 2" descr="Picture background">
+          <p:cNvPr id="5122" name="Picture 2" descr="Picture background">
             <a:extLst>
               <a:ext uri="{FF2B5EF4-FFF2-40B4-BE49-F238E27FC236}">
-                <a16:creationId xmlns:a16="http://schemas.microsoft.com/office/drawing/2014/main" id="{A3055E07-566F-497D-82AA-990893473D2C}"/>
+                <a16:creationId xmlns:a16="http://schemas.microsoft.com/office/drawing/2014/main" id="{0B0EF6C8-2251-46F7-A4C1-7263B2813A24}"/>
               </a:ext>
             </a:extLst>
           </p:cNvPr>
@@ -32556,8 +32865,8 @@
         </p:blipFill>
         <p:spPr bwMode="auto">
           <a:xfrm>
-            <a:off x="2496312" y="1268760"/>
-            <a:ext cx="8711183" cy="5452323"/>
+            <a:off x="2676144" y="640080"/>
+            <a:ext cx="8113222" cy="5577840"/>
           </a:xfrm>
           <a:prstGeom prst="rect">
             <a:avLst/>
@@ -32577,7 +32886,7 @@
     </p:spTree>
     <p:extLst>
       <p:ext uri="{BB962C8B-B14F-4D97-AF65-F5344CB8AC3E}">
-        <p14:creationId xmlns:p14="http://schemas.microsoft.com/office/powerpoint/2010/main" val="2186116709"/>
+        <p14:creationId xmlns:p14="http://schemas.microsoft.com/office/powerpoint/2010/main" val="791743456"/>
       </p:ext>
     </p:extLst>
   </p:cSld>
